--- a/2주차_07월_11일/2주차_01_C언어_컴파일_과정.pptx
+++ b/2주차_07월_11일/2주차_01_C언어_컴파일_과정.pptx
@@ -5,7 +5,7 @@
     <p:sldMasterId id="2147483687" r:id="rId1"/>
   </p:sldMasterIdLst>
   <p:notesMasterIdLst>
-    <p:notesMasterId r:id="rId18"/>
+    <p:notesMasterId r:id="rId19"/>
   </p:notesMasterIdLst>
   <p:sldIdLst>
     <p:sldId id="256" r:id="rId2"/>
@@ -23,26 +23,27 @@
     <p:sldId id="337" r:id="rId14"/>
     <p:sldId id="338" r:id="rId15"/>
     <p:sldId id="339" r:id="rId16"/>
-    <p:sldId id="258" r:id="rId17"/>
+    <p:sldId id="340" r:id="rId17"/>
+    <p:sldId id="258" r:id="rId18"/>
   </p:sldIdLst>
   <p:sldSz cx="9144000" cy="5143500" type="screen16x9"/>
   <p:notesSz cx="6858000" cy="9144000"/>
   <p:embeddedFontLst>
     <p:embeddedFont>
       <p:font typeface="Fredoka One" panose="02000000000000000000" pitchFamily="2" charset="0"/>
-      <p:regular r:id="rId19"/>
+      <p:regular r:id="rId20"/>
     </p:embeddedFont>
     <p:embeddedFont>
       <p:font typeface="Raleway" pitchFamily="2" charset="0"/>
-      <p:regular r:id="rId20"/>
-      <p:bold r:id="rId21"/>
-      <p:italic r:id="rId22"/>
-      <p:boldItalic r:id="rId23"/>
+      <p:regular r:id="rId21"/>
+      <p:bold r:id="rId22"/>
+      <p:italic r:id="rId23"/>
+      <p:boldItalic r:id="rId24"/>
     </p:embeddedFont>
     <p:embeddedFont>
       <p:font typeface="맑은 고딕" panose="020B0503020000020004" pitchFamily="50" charset="-127"/>
-      <p:regular r:id="rId24"/>
-      <p:bold r:id="rId25"/>
+      <p:regular r:id="rId25"/>
+      <p:bold r:id="rId26"/>
     </p:embeddedFont>
   </p:embeddedFontLst>
   <p:defaultTextStyle>
@@ -1796,6 +1797,131 @@
     </pc:docChg>
   </pc:docChgLst>
   <pc:docChgLst>
+    <pc:chgData name="이 대은" userId="1ba6ee5b3b796c7a" providerId="LiveId" clId="{375AF096-EBA4-4949-8031-9A61186B09C1}"/>
+    <pc:docChg chg="undo custSel modSld">
+      <pc:chgData name="이 대은" userId="1ba6ee5b3b796c7a" providerId="LiveId" clId="{375AF096-EBA4-4949-8031-9A61186B09C1}" dt="2023-04-29T16:49:03.861" v="149"/>
+      <pc:docMkLst>
+        <pc:docMk/>
+      </pc:docMkLst>
+      <pc:sldChg chg="addSp delSp modSp mod">
+        <pc:chgData name="이 대은" userId="1ba6ee5b3b796c7a" providerId="LiveId" clId="{375AF096-EBA4-4949-8031-9A61186B09C1}" dt="2023-04-29T16:49:03.861" v="149"/>
+        <pc:sldMkLst>
+          <pc:docMk/>
+          <pc:sldMk cId="1155596885" sldId="310"/>
+        </pc:sldMkLst>
+        <pc:spChg chg="add del mod">
+          <ac:chgData name="이 대은" userId="1ba6ee5b3b796c7a" providerId="LiveId" clId="{375AF096-EBA4-4949-8031-9A61186B09C1}" dt="2023-04-29T16:48:38.250" v="141" actId="478"/>
+          <ac:spMkLst>
+            <pc:docMk/>
+            <pc:sldMk cId="1155596885" sldId="310"/>
+            <ac:spMk id="3" creationId="{B542C09F-1421-C8BB-7217-8703210B6A09}"/>
+          </ac:spMkLst>
+        </pc:spChg>
+        <pc:spChg chg="add del mod">
+          <ac:chgData name="이 대은" userId="1ba6ee5b3b796c7a" providerId="LiveId" clId="{375AF096-EBA4-4949-8031-9A61186B09C1}" dt="2023-04-29T16:48:41.872" v="144" actId="478"/>
+          <ac:spMkLst>
+            <pc:docMk/>
+            <pc:sldMk cId="1155596885" sldId="310"/>
+            <ac:spMk id="5" creationId="{079BB16E-E55A-DFDE-A160-84F269655963}"/>
+          </ac:spMkLst>
+        </pc:spChg>
+        <pc:spChg chg="mod">
+          <ac:chgData name="이 대은" userId="1ba6ee5b3b796c7a" providerId="LiveId" clId="{375AF096-EBA4-4949-8031-9A61186B09C1}" dt="2023-04-29T16:49:03.861" v="149"/>
+          <ac:spMkLst>
+            <pc:docMk/>
+            <pc:sldMk cId="1155596885" sldId="310"/>
+            <ac:spMk id="1036" creationId="{00000000-0000-0000-0000-000000000000}"/>
+          </ac:spMkLst>
+        </pc:spChg>
+        <pc:spChg chg="add del mod">
+          <ac:chgData name="이 대은" userId="1ba6ee5b3b796c7a" providerId="LiveId" clId="{375AF096-EBA4-4949-8031-9A61186B09C1}" dt="2023-04-29T16:48:52.522" v="146" actId="21"/>
+          <ac:spMkLst>
+            <pc:docMk/>
+            <pc:sldMk cId="1155596885" sldId="310"/>
+            <ac:spMk id="1038" creationId="{00000000-0000-0000-0000-000000000000}"/>
+          </ac:spMkLst>
+        </pc:spChg>
+      </pc:sldChg>
+      <pc:sldChg chg="modSp mod">
+        <pc:chgData name="이 대은" userId="1ba6ee5b3b796c7a" providerId="LiveId" clId="{375AF096-EBA4-4949-8031-9A61186B09C1}" dt="2023-04-29T16:46:30.059" v="37" actId="1076"/>
+        <pc:sldMkLst>
+          <pc:docMk/>
+          <pc:sldMk cId="399558995" sldId="311"/>
+        </pc:sldMkLst>
+        <pc:spChg chg="mod">
+          <ac:chgData name="이 대은" userId="1ba6ee5b3b796c7a" providerId="LiveId" clId="{375AF096-EBA4-4949-8031-9A61186B09C1}" dt="2023-04-29T16:45:55.775" v="5" actId="20577"/>
+          <ac:spMkLst>
+            <pc:docMk/>
+            <pc:sldMk cId="399558995" sldId="311"/>
+            <ac:spMk id="24" creationId="{AF600BEA-BF49-0905-E1BF-74BC015DB606}"/>
+          </ac:spMkLst>
+        </pc:spChg>
+        <pc:spChg chg="mod">
+          <ac:chgData name="이 대은" userId="1ba6ee5b3b796c7a" providerId="LiveId" clId="{375AF096-EBA4-4949-8031-9A61186B09C1}" dt="2023-04-29T16:45:47.733" v="3" actId="20577"/>
+          <ac:spMkLst>
+            <pc:docMk/>
+            <pc:sldMk cId="399558995" sldId="311"/>
+            <ac:spMk id="26" creationId="{7A6E6C69-4AA3-FC22-7D56-CAACDFD24E22}"/>
+          </ac:spMkLst>
+        </pc:spChg>
+        <pc:spChg chg="mod">
+          <ac:chgData name="이 대은" userId="1ba6ee5b3b796c7a" providerId="LiveId" clId="{375AF096-EBA4-4949-8031-9A61186B09C1}" dt="2023-04-29T16:45:43.189" v="1" actId="1076"/>
+          <ac:spMkLst>
+            <pc:docMk/>
+            <pc:sldMk cId="399558995" sldId="311"/>
+            <ac:spMk id="27" creationId="{0A4389BD-60E5-2A4D-B762-9EEADF01459A}"/>
+          </ac:spMkLst>
+        </pc:spChg>
+        <pc:spChg chg="mod">
+          <ac:chgData name="이 대은" userId="1ba6ee5b3b796c7a" providerId="LiveId" clId="{375AF096-EBA4-4949-8031-9A61186B09C1}" dt="2023-04-29T16:46:27.953" v="35"/>
+          <ac:spMkLst>
+            <pc:docMk/>
+            <pc:sldMk cId="399558995" sldId="311"/>
+            <ac:spMk id="876" creationId="{00000000-0000-0000-0000-000000000000}"/>
+          </ac:spMkLst>
+        </pc:spChg>
+        <pc:picChg chg="mod">
+          <ac:chgData name="이 대은" userId="1ba6ee5b3b796c7a" providerId="LiveId" clId="{375AF096-EBA4-4949-8031-9A61186B09C1}" dt="2023-04-29T16:46:30.059" v="37" actId="1076"/>
+          <ac:picMkLst>
+            <pc:docMk/>
+            <pc:sldMk cId="399558995" sldId="311"/>
+            <ac:picMk id="15" creationId="{D0F89285-296D-259D-3D0A-943DF599325B}"/>
+          </ac:picMkLst>
+        </pc:picChg>
+      </pc:sldChg>
+      <pc:sldChg chg="modSp mod">
+        <pc:chgData name="이 대은" userId="1ba6ee5b3b796c7a" providerId="LiveId" clId="{375AF096-EBA4-4949-8031-9A61186B09C1}" dt="2023-04-29T16:46:42.905" v="43"/>
+        <pc:sldMkLst>
+          <pc:docMk/>
+          <pc:sldMk cId="3488239894" sldId="324"/>
+        </pc:sldMkLst>
+        <pc:spChg chg="mod">
+          <ac:chgData name="이 대은" userId="1ba6ee5b3b796c7a" providerId="LiveId" clId="{375AF096-EBA4-4949-8031-9A61186B09C1}" dt="2023-04-29T16:46:42.905" v="43"/>
+          <ac:spMkLst>
+            <pc:docMk/>
+            <pc:sldMk cId="3488239894" sldId="324"/>
+            <ac:spMk id="876" creationId="{00000000-0000-0000-0000-000000000000}"/>
+          </ac:spMkLst>
+        </pc:spChg>
+      </pc:sldChg>
+      <pc:sldChg chg="modSp mod">
+        <pc:chgData name="이 대은" userId="1ba6ee5b3b796c7a" providerId="LiveId" clId="{375AF096-EBA4-4949-8031-9A61186B09C1}" dt="2023-04-29T16:48:18.305" v="133" actId="14100"/>
+        <pc:sldMkLst>
+          <pc:docMk/>
+          <pc:sldMk cId="3347702612" sldId="326"/>
+        </pc:sldMkLst>
+        <pc:spChg chg="mod">
+          <ac:chgData name="이 대은" userId="1ba6ee5b3b796c7a" providerId="LiveId" clId="{375AF096-EBA4-4949-8031-9A61186B09C1}" dt="2023-04-29T16:48:18.305" v="133" actId="14100"/>
+          <ac:spMkLst>
+            <pc:docMk/>
+            <pc:sldMk cId="3347702612" sldId="326"/>
+            <ac:spMk id="14" creationId="{824C53FF-D21B-D6FB-1423-1E76B08F8AD3}"/>
+          </ac:spMkLst>
+        </pc:spChg>
+      </pc:sldChg>
+    </pc:docChg>
+  </pc:docChgLst>
+  <pc:docChgLst>
     <pc:chgData name="대은" userId="1ba6ee5b3b796c7a" providerId="LiveId" clId="{BA98B108-C844-49A1-BD3E-EDC0CD03AA70}"/>
     <pc:docChg chg="undo custSel addSld delSld modSld">
       <pc:chgData name="대은" userId="1ba6ee5b3b796c7a" providerId="LiveId" clId="{BA98B108-C844-49A1-BD3E-EDC0CD03AA70}" dt="2023-03-19T15:49:18.340" v="701" actId="47"/>
@@ -3170,131 +3296,6 @@
     </pc:docChg>
   </pc:docChgLst>
   <pc:docChgLst>
-    <pc:chgData name="이 대은" userId="1ba6ee5b3b796c7a" providerId="LiveId" clId="{375AF096-EBA4-4949-8031-9A61186B09C1}"/>
-    <pc:docChg chg="undo custSel modSld">
-      <pc:chgData name="이 대은" userId="1ba6ee5b3b796c7a" providerId="LiveId" clId="{375AF096-EBA4-4949-8031-9A61186B09C1}" dt="2023-04-29T16:49:03.861" v="149"/>
-      <pc:docMkLst>
-        <pc:docMk/>
-      </pc:docMkLst>
-      <pc:sldChg chg="addSp delSp modSp mod">
-        <pc:chgData name="이 대은" userId="1ba6ee5b3b796c7a" providerId="LiveId" clId="{375AF096-EBA4-4949-8031-9A61186B09C1}" dt="2023-04-29T16:49:03.861" v="149"/>
-        <pc:sldMkLst>
-          <pc:docMk/>
-          <pc:sldMk cId="1155596885" sldId="310"/>
-        </pc:sldMkLst>
-        <pc:spChg chg="add del mod">
-          <ac:chgData name="이 대은" userId="1ba6ee5b3b796c7a" providerId="LiveId" clId="{375AF096-EBA4-4949-8031-9A61186B09C1}" dt="2023-04-29T16:48:38.250" v="141" actId="478"/>
-          <ac:spMkLst>
-            <pc:docMk/>
-            <pc:sldMk cId="1155596885" sldId="310"/>
-            <ac:spMk id="3" creationId="{B542C09F-1421-C8BB-7217-8703210B6A09}"/>
-          </ac:spMkLst>
-        </pc:spChg>
-        <pc:spChg chg="add del mod">
-          <ac:chgData name="이 대은" userId="1ba6ee5b3b796c7a" providerId="LiveId" clId="{375AF096-EBA4-4949-8031-9A61186B09C1}" dt="2023-04-29T16:48:41.872" v="144" actId="478"/>
-          <ac:spMkLst>
-            <pc:docMk/>
-            <pc:sldMk cId="1155596885" sldId="310"/>
-            <ac:spMk id="5" creationId="{079BB16E-E55A-DFDE-A160-84F269655963}"/>
-          </ac:spMkLst>
-        </pc:spChg>
-        <pc:spChg chg="mod">
-          <ac:chgData name="이 대은" userId="1ba6ee5b3b796c7a" providerId="LiveId" clId="{375AF096-EBA4-4949-8031-9A61186B09C1}" dt="2023-04-29T16:49:03.861" v="149"/>
-          <ac:spMkLst>
-            <pc:docMk/>
-            <pc:sldMk cId="1155596885" sldId="310"/>
-            <ac:spMk id="1036" creationId="{00000000-0000-0000-0000-000000000000}"/>
-          </ac:spMkLst>
-        </pc:spChg>
-        <pc:spChg chg="add del mod">
-          <ac:chgData name="이 대은" userId="1ba6ee5b3b796c7a" providerId="LiveId" clId="{375AF096-EBA4-4949-8031-9A61186B09C1}" dt="2023-04-29T16:48:52.522" v="146" actId="21"/>
-          <ac:spMkLst>
-            <pc:docMk/>
-            <pc:sldMk cId="1155596885" sldId="310"/>
-            <ac:spMk id="1038" creationId="{00000000-0000-0000-0000-000000000000}"/>
-          </ac:spMkLst>
-        </pc:spChg>
-      </pc:sldChg>
-      <pc:sldChg chg="modSp mod">
-        <pc:chgData name="이 대은" userId="1ba6ee5b3b796c7a" providerId="LiveId" clId="{375AF096-EBA4-4949-8031-9A61186B09C1}" dt="2023-04-29T16:46:30.059" v="37" actId="1076"/>
-        <pc:sldMkLst>
-          <pc:docMk/>
-          <pc:sldMk cId="399558995" sldId="311"/>
-        </pc:sldMkLst>
-        <pc:spChg chg="mod">
-          <ac:chgData name="이 대은" userId="1ba6ee5b3b796c7a" providerId="LiveId" clId="{375AF096-EBA4-4949-8031-9A61186B09C1}" dt="2023-04-29T16:45:55.775" v="5" actId="20577"/>
-          <ac:spMkLst>
-            <pc:docMk/>
-            <pc:sldMk cId="399558995" sldId="311"/>
-            <ac:spMk id="24" creationId="{AF600BEA-BF49-0905-E1BF-74BC015DB606}"/>
-          </ac:spMkLst>
-        </pc:spChg>
-        <pc:spChg chg="mod">
-          <ac:chgData name="이 대은" userId="1ba6ee5b3b796c7a" providerId="LiveId" clId="{375AF096-EBA4-4949-8031-9A61186B09C1}" dt="2023-04-29T16:45:47.733" v="3" actId="20577"/>
-          <ac:spMkLst>
-            <pc:docMk/>
-            <pc:sldMk cId="399558995" sldId="311"/>
-            <ac:spMk id="26" creationId="{7A6E6C69-4AA3-FC22-7D56-CAACDFD24E22}"/>
-          </ac:spMkLst>
-        </pc:spChg>
-        <pc:spChg chg="mod">
-          <ac:chgData name="이 대은" userId="1ba6ee5b3b796c7a" providerId="LiveId" clId="{375AF096-EBA4-4949-8031-9A61186B09C1}" dt="2023-04-29T16:45:43.189" v="1" actId="1076"/>
-          <ac:spMkLst>
-            <pc:docMk/>
-            <pc:sldMk cId="399558995" sldId="311"/>
-            <ac:spMk id="27" creationId="{0A4389BD-60E5-2A4D-B762-9EEADF01459A}"/>
-          </ac:spMkLst>
-        </pc:spChg>
-        <pc:spChg chg="mod">
-          <ac:chgData name="이 대은" userId="1ba6ee5b3b796c7a" providerId="LiveId" clId="{375AF096-EBA4-4949-8031-9A61186B09C1}" dt="2023-04-29T16:46:27.953" v="35"/>
-          <ac:spMkLst>
-            <pc:docMk/>
-            <pc:sldMk cId="399558995" sldId="311"/>
-            <ac:spMk id="876" creationId="{00000000-0000-0000-0000-000000000000}"/>
-          </ac:spMkLst>
-        </pc:spChg>
-        <pc:picChg chg="mod">
-          <ac:chgData name="이 대은" userId="1ba6ee5b3b796c7a" providerId="LiveId" clId="{375AF096-EBA4-4949-8031-9A61186B09C1}" dt="2023-04-29T16:46:30.059" v="37" actId="1076"/>
-          <ac:picMkLst>
-            <pc:docMk/>
-            <pc:sldMk cId="399558995" sldId="311"/>
-            <ac:picMk id="15" creationId="{D0F89285-296D-259D-3D0A-943DF599325B}"/>
-          </ac:picMkLst>
-        </pc:picChg>
-      </pc:sldChg>
-      <pc:sldChg chg="modSp mod">
-        <pc:chgData name="이 대은" userId="1ba6ee5b3b796c7a" providerId="LiveId" clId="{375AF096-EBA4-4949-8031-9A61186B09C1}" dt="2023-04-29T16:46:42.905" v="43"/>
-        <pc:sldMkLst>
-          <pc:docMk/>
-          <pc:sldMk cId="3488239894" sldId="324"/>
-        </pc:sldMkLst>
-        <pc:spChg chg="mod">
-          <ac:chgData name="이 대은" userId="1ba6ee5b3b796c7a" providerId="LiveId" clId="{375AF096-EBA4-4949-8031-9A61186B09C1}" dt="2023-04-29T16:46:42.905" v="43"/>
-          <ac:spMkLst>
-            <pc:docMk/>
-            <pc:sldMk cId="3488239894" sldId="324"/>
-            <ac:spMk id="876" creationId="{00000000-0000-0000-0000-000000000000}"/>
-          </ac:spMkLst>
-        </pc:spChg>
-      </pc:sldChg>
-      <pc:sldChg chg="modSp mod">
-        <pc:chgData name="이 대은" userId="1ba6ee5b3b796c7a" providerId="LiveId" clId="{375AF096-EBA4-4949-8031-9A61186B09C1}" dt="2023-04-29T16:48:18.305" v="133" actId="14100"/>
-        <pc:sldMkLst>
-          <pc:docMk/>
-          <pc:sldMk cId="3347702612" sldId="326"/>
-        </pc:sldMkLst>
-        <pc:spChg chg="mod">
-          <ac:chgData name="이 대은" userId="1ba6ee5b3b796c7a" providerId="LiveId" clId="{375AF096-EBA4-4949-8031-9A61186B09C1}" dt="2023-04-29T16:48:18.305" v="133" actId="14100"/>
-          <ac:spMkLst>
-            <pc:docMk/>
-            <pc:sldMk cId="3347702612" sldId="326"/>
-            <ac:spMk id="14" creationId="{824C53FF-D21B-D6FB-1423-1E76B08F8AD3}"/>
-          </ac:spMkLst>
-        </pc:spChg>
-      </pc:sldChg>
-    </pc:docChg>
-  </pc:docChgLst>
-  <pc:docChgLst>
     <pc:chgData name="이 대은" userId="1ba6ee5b3b796c7a" providerId="LiveId" clId="{B06FDE1C-CED0-42C3-BA6F-988DC5EB33A5}"/>
     <pc:docChg chg="undo redo custSel addSld delSld modSld">
       <pc:chgData name="이 대은" userId="1ba6ee5b3b796c7a" providerId="LiveId" clId="{B06FDE1C-CED0-42C3-BA6F-988DC5EB33A5}" dt="2023-04-29T20:16:21.916" v="2599"/>
@@ -5154,6 +5155,115 @@
 </file>
 
 <file path=ppt/notesSlides/notesSlide16.xml><?xml version="1.0" encoding="utf-8"?>
+<p:notes xmlns:a="http://schemas.openxmlformats.org/drawingml/2006/main" xmlns:r="http://schemas.openxmlformats.org/officeDocument/2006/relationships" xmlns:p="http://schemas.openxmlformats.org/presentationml/2006/main" showMasterSp="0" showMasterPhAnim="0">
+  <p:cSld>
+    <p:spTree>
+      <p:nvGrpSpPr>
+        <p:cNvPr id="1" name="Shape 872"/>
+        <p:cNvGrpSpPr/>
+        <p:nvPr/>
+      </p:nvGrpSpPr>
+      <p:grpSpPr>
+        <a:xfrm>
+          <a:off x="0" y="0"/>
+          <a:ext cx="0" cy="0"/>
+          <a:chOff x="0" y="0"/>
+          <a:chExt cx="0" cy="0"/>
+        </a:xfrm>
+      </p:grpSpPr>
+      <p:sp>
+        <p:nvSpPr>
+          <p:cNvPr id="873" name="Google Shape;873;g8ceba84788_0_2923:notes"/>
+          <p:cNvSpPr>
+            <a:spLocks noGrp="1" noRot="1" noChangeAspect="1"/>
+          </p:cNvSpPr>
+          <p:nvPr>
+            <p:ph type="sldImg" idx="2"/>
+          </p:nvPr>
+        </p:nvSpPr>
+        <p:spPr>
+          <a:xfrm>
+            <a:off x="381000" y="685800"/>
+            <a:ext cx="6096000" cy="3429000"/>
+          </a:xfrm>
+          <a:custGeom>
+            <a:avLst/>
+            <a:gdLst/>
+            <a:ahLst/>
+            <a:cxnLst/>
+            <a:rect l="l" t="t" r="r" b="b"/>
+            <a:pathLst>
+              <a:path w="120000" h="120000" extrusionOk="0">
+                <a:moveTo>
+                  <a:pt x="0" y="0"/>
+                </a:moveTo>
+                <a:lnTo>
+                  <a:pt x="120000" y="0"/>
+                </a:lnTo>
+                <a:lnTo>
+                  <a:pt x="120000" y="120000"/>
+                </a:lnTo>
+                <a:lnTo>
+                  <a:pt x="0" y="120000"/>
+                </a:lnTo>
+                <a:close/>
+              </a:path>
+            </a:pathLst>
+          </a:custGeom>
+        </p:spPr>
+      </p:sp>
+      <p:sp>
+        <p:nvSpPr>
+          <p:cNvPr id="874" name="Google Shape;874;g8ceba84788_0_2923:notes"/>
+          <p:cNvSpPr txBox="1">
+            <a:spLocks noGrp="1"/>
+          </p:cNvSpPr>
+          <p:nvPr>
+            <p:ph type="body" idx="1"/>
+          </p:nvPr>
+        </p:nvSpPr>
+        <p:spPr>
+          <a:xfrm>
+            <a:off x="685800" y="4343400"/>
+            <a:ext cx="5486400" cy="4114800"/>
+          </a:xfrm>
+          <a:prstGeom prst="rect">
+            <a:avLst/>
+          </a:prstGeom>
+        </p:spPr>
+        <p:txBody>
+          <a:bodyPr spcFirstLastPara="1" wrap="square" lIns="91425" tIns="91425" rIns="91425" bIns="91425" anchor="t" anchorCtr="0">
+            <a:noAutofit/>
+          </a:bodyPr>
+          <a:lstStyle/>
+          <a:p>
+            <a:pPr marL="0" lvl="0" indent="0" algn="l" rtl="0">
+              <a:spcBef>
+                <a:spcPts val="0"/>
+              </a:spcBef>
+              <a:spcAft>
+                <a:spcPts val="0"/>
+              </a:spcAft>
+              <a:buNone/>
+            </a:pPr>
+            <a:endParaRPr dirty="0"/>
+          </a:p>
+        </p:txBody>
+      </p:sp>
+    </p:spTree>
+    <p:extLst>
+      <p:ext uri="{BB962C8B-B14F-4D97-AF65-F5344CB8AC3E}">
+        <p14:creationId xmlns:p14="http://schemas.microsoft.com/office/powerpoint/2010/main" val="3493902534"/>
+      </p:ext>
+    </p:extLst>
+  </p:cSld>
+  <p:clrMapOvr>
+    <a:masterClrMapping/>
+  </p:clrMapOvr>
+</p:notes>
+</file>
+
+<file path=ppt/notesSlides/notesSlide17.xml><?xml version="1.0" encoding="utf-8"?>
 <p:notes xmlns:a="http://schemas.openxmlformats.org/drawingml/2006/main" xmlns:r="http://schemas.openxmlformats.org/officeDocument/2006/relationships" xmlns:p="http://schemas.openxmlformats.org/presentationml/2006/main" showMasterSp="0" showMasterPhAnim="0">
   <p:cSld>
     <p:spTree>
@@ -49293,8 +49403,8 @@
         </p:nvSpPr>
         <p:spPr>
           <a:xfrm>
-            <a:off x="4296329" y="2809133"/>
-            <a:ext cx="266420" cy="307777"/>
+            <a:off x="3767339" y="2809133"/>
+            <a:ext cx="1324402" cy="307777"/>
           </a:xfrm>
           <a:prstGeom prst="rect">
             <a:avLst/>
@@ -49309,16 +49419,12 @@
           <a:p>
             <a:pPr algn="ctr"/>
             <a:r>
-              <a:rPr lang="en-US" altLang="ko-KR" b="1" dirty="0">
+              <a:rPr lang="ko-KR" altLang="en-US" b="1" dirty="0">
                 <a:latin typeface="+mn-ea"/>
                 <a:ea typeface="+mn-ea"/>
               </a:rPr>
-              <a:t>?</a:t>
+              <a:t>바이너리 파일</a:t>
             </a:r>
-            <a:endParaRPr lang="ko-KR" altLang="en-US" b="1" dirty="0">
-              <a:latin typeface="+mn-ea"/>
-              <a:ea typeface="+mn-ea"/>
-            </a:endParaRPr>
           </a:p>
         </p:txBody>
       </p:sp>
@@ -49576,6 +49682,1299 @@
 </file>
 
 <file path=ppt/slides/slide16.xml><?xml version="1.0" encoding="utf-8"?>
+<p:sld xmlns:a="http://schemas.openxmlformats.org/drawingml/2006/main" xmlns:r="http://schemas.openxmlformats.org/officeDocument/2006/relationships" xmlns:p="http://schemas.openxmlformats.org/presentationml/2006/main">
+  <p:cSld>
+    <p:spTree>
+      <p:nvGrpSpPr>
+        <p:cNvPr id="1" name="Shape 875"/>
+        <p:cNvGrpSpPr/>
+        <p:nvPr/>
+      </p:nvGrpSpPr>
+      <p:grpSpPr>
+        <a:xfrm>
+          <a:off x="0" y="0"/>
+          <a:ext cx="0" cy="0"/>
+          <a:chOff x="0" y="0"/>
+          <a:chExt cx="0" cy="0"/>
+        </a:xfrm>
+      </p:grpSpPr>
+      <p:sp>
+        <p:nvSpPr>
+          <p:cNvPr id="17" name="사각형: 둥근 모서리 16">
+            <a:extLst>
+              <a:ext uri="{FF2B5EF4-FFF2-40B4-BE49-F238E27FC236}">
+                <a16:creationId xmlns:a16="http://schemas.microsoft.com/office/drawing/2014/main" id="{B248D7A0-58ED-B56D-A835-E96D65FB2A45}"/>
+              </a:ext>
+            </a:extLst>
+          </p:cNvPr>
+          <p:cNvSpPr/>
+          <p:nvPr/>
+        </p:nvSpPr>
+        <p:spPr>
+          <a:xfrm>
+            <a:off x="2758725" y="1993294"/>
+            <a:ext cx="3412623" cy="1641446"/>
+          </a:xfrm>
+          <a:prstGeom prst="roundRect">
+            <a:avLst/>
+          </a:prstGeom>
+          <a:solidFill>
+            <a:schemeClr val="accent2">
+              <a:lumMod val="40000"/>
+              <a:lumOff val="60000"/>
+            </a:schemeClr>
+          </a:solidFill>
+          <a:ln>
+            <a:solidFill>
+              <a:srgbClr val="000000"/>
+            </a:solidFill>
+          </a:ln>
+        </p:spPr>
+        <p:style>
+          <a:lnRef idx="2">
+            <a:schemeClr val="accent1">
+              <a:shade val="15000"/>
+            </a:schemeClr>
+          </a:lnRef>
+          <a:fillRef idx="1">
+            <a:schemeClr val="accent1"/>
+          </a:fillRef>
+          <a:effectRef idx="0">
+            <a:schemeClr val="accent1"/>
+          </a:effectRef>
+          <a:fontRef idx="minor">
+            <a:schemeClr val="lt1"/>
+          </a:fontRef>
+        </p:style>
+        <p:txBody>
+          <a:bodyPr rtlCol="0" anchor="ctr"/>
+          <a:lstStyle/>
+          <a:p>
+            <a:pPr algn="ctr"/>
+            <a:endParaRPr lang="ko-KR" altLang="en-US" dirty="0">
+              <a:solidFill>
+                <a:srgbClr val="000000"/>
+              </a:solidFill>
+            </a:endParaRPr>
+          </a:p>
+        </p:txBody>
+      </p:sp>
+      <p:sp>
+        <p:nvSpPr>
+          <p:cNvPr id="876" name="Google Shape;876;p44"/>
+          <p:cNvSpPr txBox="1">
+            <a:spLocks noGrp="1"/>
+          </p:cNvSpPr>
+          <p:nvPr>
+            <p:ph type="title"/>
+          </p:nvPr>
+        </p:nvSpPr>
+        <p:spPr>
+          <a:xfrm>
+            <a:off x="685800" y="445025"/>
+            <a:ext cx="7772400" cy="572700"/>
+          </a:xfrm>
+          <a:prstGeom prst="rect">
+            <a:avLst/>
+          </a:prstGeom>
+        </p:spPr>
+        <p:txBody>
+          <a:bodyPr spcFirstLastPara="1" wrap="square" lIns="91425" tIns="91425" rIns="91425" bIns="91425" anchor="t" anchorCtr="0">
+            <a:noAutofit/>
+          </a:bodyPr>
+          <a:lstStyle/>
+          <a:p>
+            <a:pPr marL="0" lvl="0" indent="0" algn="ctr" rtl="0">
+              <a:spcBef>
+                <a:spcPts val="0"/>
+              </a:spcBef>
+              <a:spcAft>
+                <a:spcPts val="0"/>
+              </a:spcAft>
+              <a:buNone/>
+            </a:pPr>
+            <a:r>
+              <a:rPr lang="en-US" altLang="ko-KR" sz="3200" b="1" dirty="0"/>
+              <a:t>Visual Studio</a:t>
+            </a:r>
+            <a:r>
+              <a:rPr lang="ko-KR" altLang="en-US" sz="3200" b="1" dirty="0"/>
+              <a:t>에서의 </a:t>
+            </a:r>
+            <a:r>
+              <a:rPr lang="en-US" altLang="ko-KR" sz="3200" b="1" dirty="0"/>
+              <a:t>C</a:t>
+            </a:r>
+            <a:r>
+              <a:rPr lang="ko-KR" altLang="en-US" sz="3200" b="1" dirty="0"/>
+              <a:t>언어 컴파일 과정</a:t>
+            </a:r>
+            <a:endParaRPr sz="3200" b="1" dirty="0"/>
+          </a:p>
+        </p:txBody>
+      </p:sp>
+      <p:sp>
+        <p:nvSpPr>
+          <p:cNvPr id="4" name="화살표: 오른쪽 3">
+            <a:extLst>
+              <a:ext uri="{FF2B5EF4-FFF2-40B4-BE49-F238E27FC236}">
+                <a16:creationId xmlns:a16="http://schemas.microsoft.com/office/drawing/2014/main" id="{66026DC4-1B3C-5E6A-C4EE-89CB94B05A05}"/>
+              </a:ext>
+            </a:extLst>
+          </p:cNvPr>
+          <p:cNvSpPr/>
+          <p:nvPr/>
+        </p:nvSpPr>
+        <p:spPr>
+          <a:xfrm>
+            <a:off x="1651219" y="2763414"/>
+            <a:ext cx="1000826" cy="45719"/>
+          </a:xfrm>
+          <a:prstGeom prst="rightArrow">
+            <a:avLst>
+              <a:gd name="adj1" fmla="val 50000"/>
+              <a:gd name="adj2" fmla="val 86692"/>
+            </a:avLst>
+          </a:prstGeom>
+          <a:solidFill>
+            <a:srgbClr val="000000"/>
+          </a:solidFill>
+          <a:ln>
+            <a:noFill/>
+          </a:ln>
+        </p:spPr>
+        <p:style>
+          <a:lnRef idx="2">
+            <a:schemeClr val="accent1">
+              <a:shade val="15000"/>
+            </a:schemeClr>
+          </a:lnRef>
+          <a:fillRef idx="1">
+            <a:schemeClr val="accent1"/>
+          </a:fillRef>
+          <a:effectRef idx="0">
+            <a:schemeClr val="accent1"/>
+          </a:effectRef>
+          <a:fontRef idx="minor">
+            <a:schemeClr val="lt1"/>
+          </a:fontRef>
+        </p:style>
+        <p:txBody>
+          <a:bodyPr rtlCol="0" anchor="ctr"/>
+          <a:lstStyle/>
+          <a:p>
+            <a:pPr algn="ctr"/>
+            <a:endParaRPr lang="ko-KR" altLang="en-US"/>
+          </a:p>
+        </p:txBody>
+      </p:sp>
+      <p:sp>
+        <p:nvSpPr>
+          <p:cNvPr id="8" name="TextBox 7">
+            <a:extLst>
+              <a:ext uri="{FF2B5EF4-FFF2-40B4-BE49-F238E27FC236}">
+                <a16:creationId xmlns:a16="http://schemas.microsoft.com/office/drawing/2014/main" id="{36AADE07-A875-647A-846C-A5C3FC21045F}"/>
+              </a:ext>
+            </a:extLst>
+          </p:cNvPr>
+          <p:cNvSpPr txBox="1"/>
+          <p:nvPr/>
+        </p:nvSpPr>
+        <p:spPr>
+          <a:xfrm>
+            <a:off x="1651220" y="2443045"/>
+            <a:ext cx="965328" cy="307777"/>
+          </a:xfrm>
+          <a:prstGeom prst="rect">
+            <a:avLst/>
+          </a:prstGeom>
+          <a:noFill/>
+        </p:spPr>
+        <p:txBody>
+          <a:bodyPr wrap="square" rtlCol="0">
+            <a:spAutoFit/>
+          </a:bodyPr>
+          <a:lstStyle/>
+          <a:p>
+            <a:pPr algn="ctr"/>
+            <a:r>
+              <a:rPr lang="en-US" altLang="ko-KR" dirty="0" err="1">
+                <a:latin typeface="+mn-ea"/>
+                <a:ea typeface="+mn-ea"/>
+              </a:rPr>
+              <a:t>hello</a:t>
+            </a:r>
+            <a:r>
+              <a:rPr lang="en-US" altLang="ko-KR" dirty="0" err="1"/>
+              <a:t>.c</a:t>
+            </a:r>
+            <a:endParaRPr lang="ko-KR" altLang="en-US" dirty="0"/>
+          </a:p>
+        </p:txBody>
+      </p:sp>
+      <p:sp>
+        <p:nvSpPr>
+          <p:cNvPr id="9" name="TextBox 8">
+            <a:extLst>
+              <a:ext uri="{FF2B5EF4-FFF2-40B4-BE49-F238E27FC236}">
+                <a16:creationId xmlns:a16="http://schemas.microsoft.com/office/drawing/2014/main" id="{129203A5-93E5-2B63-9AF0-28C0D6051D26}"/>
+              </a:ext>
+            </a:extLst>
+          </p:cNvPr>
+          <p:cNvSpPr txBox="1"/>
+          <p:nvPr/>
+        </p:nvSpPr>
+        <p:spPr>
+          <a:xfrm>
+            <a:off x="1651219" y="2834317"/>
+            <a:ext cx="965329" cy="523220"/>
+          </a:xfrm>
+          <a:prstGeom prst="rect">
+            <a:avLst/>
+          </a:prstGeom>
+          <a:noFill/>
+        </p:spPr>
+        <p:txBody>
+          <a:bodyPr wrap="none" rtlCol="0">
+            <a:spAutoFit/>
+          </a:bodyPr>
+          <a:lstStyle/>
+          <a:p>
+            <a:pPr algn="ctr"/>
+            <a:r>
+              <a:rPr lang="ko-KR" altLang="en-US" b="1" dirty="0">
+                <a:latin typeface="+mn-ea"/>
+                <a:ea typeface="+mn-ea"/>
+              </a:rPr>
+              <a:t>소스 코드</a:t>
+            </a:r>
+            <a:br>
+              <a:rPr lang="en-US" altLang="ko-KR" b="1" dirty="0">
+                <a:latin typeface="+mn-ea"/>
+                <a:ea typeface="+mn-ea"/>
+              </a:rPr>
+            </a:br>
+            <a:r>
+              <a:rPr lang="en-US" altLang="ko-KR" b="1" dirty="0">
+                <a:latin typeface="+mn-ea"/>
+                <a:ea typeface="+mn-ea"/>
+              </a:rPr>
+              <a:t>(</a:t>
+            </a:r>
+            <a:r>
+              <a:rPr lang="ko-KR" altLang="en-US" b="1" dirty="0">
+                <a:latin typeface="+mn-ea"/>
+                <a:ea typeface="+mn-ea"/>
+              </a:rPr>
+              <a:t>텍스트</a:t>
+            </a:r>
+            <a:r>
+              <a:rPr lang="en-US" altLang="ko-KR" b="1" dirty="0">
+                <a:latin typeface="+mn-ea"/>
+                <a:ea typeface="+mn-ea"/>
+              </a:rPr>
+              <a:t>)</a:t>
+            </a:r>
+            <a:endParaRPr lang="ko-KR" altLang="en-US" b="1" dirty="0">
+              <a:latin typeface="+mn-ea"/>
+              <a:ea typeface="+mn-ea"/>
+            </a:endParaRPr>
+          </a:p>
+        </p:txBody>
+      </p:sp>
+      <p:sp>
+        <p:nvSpPr>
+          <p:cNvPr id="10" name="사각형: 둥근 모서리 9">
+            <a:extLst>
+              <a:ext uri="{FF2B5EF4-FFF2-40B4-BE49-F238E27FC236}">
+                <a16:creationId xmlns:a16="http://schemas.microsoft.com/office/drawing/2014/main" id="{C5454930-CF28-DA4A-DF3D-38E8A7FB8929}"/>
+              </a:ext>
+            </a:extLst>
+          </p:cNvPr>
+          <p:cNvSpPr/>
+          <p:nvPr/>
+        </p:nvSpPr>
+        <p:spPr>
+          <a:xfrm>
+            <a:off x="2880360" y="2339016"/>
+            <a:ext cx="944880" cy="906781"/>
+          </a:xfrm>
+          <a:prstGeom prst="roundRect">
+            <a:avLst/>
+          </a:prstGeom>
+          <a:solidFill>
+            <a:schemeClr val="bg1"/>
+          </a:solidFill>
+          <a:ln>
+            <a:solidFill>
+              <a:srgbClr val="000000"/>
+            </a:solidFill>
+          </a:ln>
+        </p:spPr>
+        <p:style>
+          <a:lnRef idx="2">
+            <a:schemeClr val="accent1">
+              <a:shade val="15000"/>
+            </a:schemeClr>
+          </a:lnRef>
+          <a:fillRef idx="1">
+            <a:schemeClr val="accent1"/>
+          </a:fillRef>
+          <a:effectRef idx="0">
+            <a:schemeClr val="accent1"/>
+          </a:effectRef>
+          <a:fontRef idx="minor">
+            <a:schemeClr val="lt1"/>
+          </a:fontRef>
+        </p:style>
+        <p:txBody>
+          <a:bodyPr rtlCol="0" anchor="ctr"/>
+          <a:lstStyle/>
+          <a:p>
+            <a:pPr algn="ctr"/>
+            <a:r>
+              <a:rPr lang="ko-KR" altLang="en-US" b="1" dirty="0" err="1">
+                <a:solidFill>
+                  <a:srgbClr val="000000"/>
+                </a:solidFill>
+              </a:rPr>
+              <a:t>전처리</a:t>
+            </a:r>
+            <a:br>
+              <a:rPr lang="en-US" altLang="ko-KR" dirty="0">
+                <a:solidFill>
+                  <a:srgbClr val="000000"/>
+                </a:solidFill>
+              </a:rPr>
+            </a:br>
+            <a:r>
+              <a:rPr lang="en-US" altLang="ko-KR" dirty="0">
+                <a:solidFill>
+                  <a:srgbClr val="000000"/>
+                </a:solidFill>
+              </a:rPr>
+              <a:t>(</a:t>
+            </a:r>
+            <a:r>
+              <a:rPr lang="en-US" altLang="ko-KR" dirty="0" err="1">
+                <a:solidFill>
+                  <a:srgbClr val="000000"/>
+                </a:solidFill>
+              </a:rPr>
+              <a:t>cpp</a:t>
+            </a:r>
+            <a:r>
+              <a:rPr lang="en-US" altLang="ko-KR" dirty="0">
+                <a:solidFill>
+                  <a:srgbClr val="000000"/>
+                </a:solidFill>
+              </a:rPr>
+              <a:t>)</a:t>
+            </a:r>
+            <a:endParaRPr lang="ko-KR" altLang="en-US" dirty="0">
+              <a:solidFill>
+                <a:srgbClr val="000000"/>
+              </a:solidFill>
+            </a:endParaRPr>
+          </a:p>
+        </p:txBody>
+      </p:sp>
+      <p:sp>
+        <p:nvSpPr>
+          <p:cNvPr id="2" name="사각형: 둥근 모서리 1">
+            <a:extLst>
+              <a:ext uri="{FF2B5EF4-FFF2-40B4-BE49-F238E27FC236}">
+                <a16:creationId xmlns:a16="http://schemas.microsoft.com/office/drawing/2014/main" id="{52F4EBDE-3E18-D63E-7127-76EC2857EB5F}"/>
+              </a:ext>
+            </a:extLst>
+          </p:cNvPr>
+          <p:cNvSpPr/>
+          <p:nvPr/>
+        </p:nvSpPr>
+        <p:spPr>
+          <a:xfrm>
+            <a:off x="5092858" y="2339016"/>
+            <a:ext cx="944880" cy="906781"/>
+          </a:xfrm>
+          <a:prstGeom prst="roundRect">
+            <a:avLst/>
+          </a:prstGeom>
+          <a:solidFill>
+            <a:schemeClr val="bg1"/>
+          </a:solidFill>
+          <a:ln>
+            <a:solidFill>
+              <a:srgbClr val="000000"/>
+            </a:solidFill>
+          </a:ln>
+        </p:spPr>
+        <p:style>
+          <a:lnRef idx="2">
+            <a:schemeClr val="accent1">
+              <a:shade val="15000"/>
+            </a:schemeClr>
+          </a:lnRef>
+          <a:fillRef idx="1">
+            <a:schemeClr val="accent1"/>
+          </a:fillRef>
+          <a:effectRef idx="0">
+            <a:schemeClr val="accent1"/>
+          </a:effectRef>
+          <a:fontRef idx="minor">
+            <a:schemeClr val="lt1"/>
+          </a:fontRef>
+        </p:style>
+        <p:txBody>
+          <a:bodyPr rtlCol="0" anchor="ctr"/>
+          <a:lstStyle/>
+          <a:p>
+            <a:pPr algn="ctr"/>
+            <a:r>
+              <a:rPr lang="ko-KR" altLang="en-US" b="1" dirty="0" err="1">
+                <a:solidFill>
+                  <a:srgbClr val="000000"/>
+                </a:solidFill>
+              </a:rPr>
+              <a:t>링커</a:t>
+            </a:r>
+            <a:endParaRPr lang="en-US" altLang="ko-KR" b="1" dirty="0">
+              <a:solidFill>
+                <a:srgbClr val="000000"/>
+              </a:solidFill>
+            </a:endParaRPr>
+          </a:p>
+          <a:p>
+            <a:pPr algn="ctr"/>
+            <a:r>
+              <a:rPr lang="en-US" altLang="ko-KR" dirty="0">
+                <a:solidFill>
+                  <a:srgbClr val="000000"/>
+                </a:solidFill>
+              </a:rPr>
+              <a:t>(</a:t>
+            </a:r>
+            <a:r>
+              <a:rPr lang="en-US" altLang="ko-KR" dirty="0" err="1">
+                <a:solidFill>
+                  <a:srgbClr val="000000"/>
+                </a:solidFill>
+              </a:rPr>
+              <a:t>ld</a:t>
+            </a:r>
+            <a:r>
+              <a:rPr lang="en-US" altLang="ko-KR" dirty="0">
+                <a:solidFill>
+                  <a:srgbClr val="000000"/>
+                </a:solidFill>
+              </a:rPr>
+              <a:t>)</a:t>
+            </a:r>
+            <a:endParaRPr lang="ko-KR" altLang="en-US" dirty="0">
+              <a:solidFill>
+                <a:srgbClr val="000000"/>
+              </a:solidFill>
+            </a:endParaRPr>
+          </a:p>
+        </p:txBody>
+      </p:sp>
+      <p:sp>
+        <p:nvSpPr>
+          <p:cNvPr id="11" name="화살표: 오른쪽 10">
+            <a:extLst>
+              <a:ext uri="{FF2B5EF4-FFF2-40B4-BE49-F238E27FC236}">
+                <a16:creationId xmlns:a16="http://schemas.microsoft.com/office/drawing/2014/main" id="{CB4170AC-D283-EA1D-3696-E70B7B774D4C}"/>
+              </a:ext>
+            </a:extLst>
+          </p:cNvPr>
+          <p:cNvSpPr/>
+          <p:nvPr/>
+        </p:nvSpPr>
+        <p:spPr>
+          <a:xfrm>
+            <a:off x="3946875" y="2738230"/>
+            <a:ext cx="1000826" cy="45719"/>
+          </a:xfrm>
+          <a:prstGeom prst="rightArrow">
+            <a:avLst>
+              <a:gd name="adj1" fmla="val 50000"/>
+              <a:gd name="adj2" fmla="val 86692"/>
+            </a:avLst>
+          </a:prstGeom>
+          <a:solidFill>
+            <a:srgbClr val="000000"/>
+          </a:solidFill>
+          <a:ln>
+            <a:noFill/>
+          </a:ln>
+        </p:spPr>
+        <p:style>
+          <a:lnRef idx="2">
+            <a:schemeClr val="accent1">
+              <a:shade val="15000"/>
+            </a:schemeClr>
+          </a:lnRef>
+          <a:fillRef idx="1">
+            <a:schemeClr val="accent1"/>
+          </a:fillRef>
+          <a:effectRef idx="0">
+            <a:schemeClr val="accent1"/>
+          </a:effectRef>
+          <a:fontRef idx="minor">
+            <a:schemeClr val="lt1"/>
+          </a:fontRef>
+        </p:style>
+        <p:txBody>
+          <a:bodyPr rtlCol="0" anchor="ctr"/>
+          <a:lstStyle/>
+          <a:p>
+            <a:pPr algn="ctr"/>
+            <a:endParaRPr lang="ko-KR" altLang="en-US"/>
+          </a:p>
+        </p:txBody>
+      </p:sp>
+      <p:sp>
+        <p:nvSpPr>
+          <p:cNvPr id="12" name="TextBox 11">
+            <a:extLst>
+              <a:ext uri="{FF2B5EF4-FFF2-40B4-BE49-F238E27FC236}">
+                <a16:creationId xmlns:a16="http://schemas.microsoft.com/office/drawing/2014/main" id="{947E6083-9B26-5D74-CA97-294D367071FD}"/>
+              </a:ext>
+            </a:extLst>
+          </p:cNvPr>
+          <p:cNvSpPr txBox="1"/>
+          <p:nvPr/>
+        </p:nvSpPr>
+        <p:spPr>
+          <a:xfrm>
+            <a:off x="3946875" y="2417861"/>
+            <a:ext cx="965329" cy="307777"/>
+          </a:xfrm>
+          <a:prstGeom prst="rect">
+            <a:avLst/>
+          </a:prstGeom>
+          <a:noFill/>
+        </p:spPr>
+        <p:txBody>
+          <a:bodyPr wrap="square" rtlCol="0">
+            <a:spAutoFit/>
+          </a:bodyPr>
+          <a:lstStyle/>
+          <a:p>
+            <a:pPr algn="ctr"/>
+            <a:r>
+              <a:rPr lang="en-US" altLang="ko-KR" dirty="0">
+                <a:latin typeface="+mn-ea"/>
+                <a:ea typeface="+mn-ea"/>
+              </a:rPr>
+              <a:t>hello</a:t>
+            </a:r>
+            <a:r>
+              <a:rPr lang="en-US" altLang="ko-KR" dirty="0"/>
+              <a:t>.obj</a:t>
+            </a:r>
+            <a:endParaRPr lang="ko-KR" altLang="en-US" dirty="0"/>
+          </a:p>
+        </p:txBody>
+      </p:sp>
+      <p:sp>
+        <p:nvSpPr>
+          <p:cNvPr id="13" name="TextBox 12">
+            <a:extLst>
+              <a:ext uri="{FF2B5EF4-FFF2-40B4-BE49-F238E27FC236}">
+                <a16:creationId xmlns:a16="http://schemas.microsoft.com/office/drawing/2014/main" id="{63E6592F-1F30-026E-2DA3-5A539CE7D031}"/>
+              </a:ext>
+            </a:extLst>
+          </p:cNvPr>
+          <p:cNvSpPr txBox="1"/>
+          <p:nvPr/>
+        </p:nvSpPr>
+        <p:spPr>
+          <a:xfrm>
+            <a:off x="3767339" y="2809133"/>
+            <a:ext cx="1324402" cy="307777"/>
+          </a:xfrm>
+          <a:prstGeom prst="rect">
+            <a:avLst/>
+          </a:prstGeom>
+          <a:noFill/>
+        </p:spPr>
+        <p:txBody>
+          <a:bodyPr wrap="none" rtlCol="0">
+            <a:spAutoFit/>
+          </a:bodyPr>
+          <a:lstStyle/>
+          <a:p>
+            <a:pPr algn="ctr"/>
+            <a:r>
+              <a:rPr lang="ko-KR" altLang="en-US" b="1" dirty="0">
+                <a:latin typeface="+mn-ea"/>
+                <a:ea typeface="+mn-ea"/>
+              </a:rPr>
+              <a:t>바이너리 파일</a:t>
+            </a:r>
+          </a:p>
+        </p:txBody>
+      </p:sp>
+      <p:sp>
+        <p:nvSpPr>
+          <p:cNvPr id="14" name="화살표: 오른쪽 13">
+            <a:extLst>
+              <a:ext uri="{FF2B5EF4-FFF2-40B4-BE49-F238E27FC236}">
+                <a16:creationId xmlns:a16="http://schemas.microsoft.com/office/drawing/2014/main" id="{FA60B305-6391-61FF-F80A-6704431E7EB6}"/>
+              </a:ext>
+            </a:extLst>
+          </p:cNvPr>
+          <p:cNvSpPr/>
+          <p:nvPr/>
+        </p:nvSpPr>
+        <p:spPr>
+          <a:xfrm>
+            <a:off x="6354228" y="2713046"/>
+            <a:ext cx="1000826" cy="45719"/>
+          </a:xfrm>
+          <a:prstGeom prst="rightArrow">
+            <a:avLst>
+              <a:gd name="adj1" fmla="val 50000"/>
+              <a:gd name="adj2" fmla="val 86692"/>
+            </a:avLst>
+          </a:prstGeom>
+          <a:solidFill>
+            <a:srgbClr val="000000"/>
+          </a:solidFill>
+          <a:ln>
+            <a:noFill/>
+          </a:ln>
+        </p:spPr>
+        <p:style>
+          <a:lnRef idx="2">
+            <a:schemeClr val="accent1">
+              <a:shade val="15000"/>
+            </a:schemeClr>
+          </a:lnRef>
+          <a:fillRef idx="1">
+            <a:schemeClr val="accent1"/>
+          </a:fillRef>
+          <a:effectRef idx="0">
+            <a:schemeClr val="accent1"/>
+          </a:effectRef>
+          <a:fontRef idx="minor">
+            <a:schemeClr val="lt1"/>
+          </a:fontRef>
+        </p:style>
+        <p:txBody>
+          <a:bodyPr rtlCol="0" anchor="ctr"/>
+          <a:lstStyle/>
+          <a:p>
+            <a:pPr algn="ctr"/>
+            <a:endParaRPr lang="ko-KR" altLang="en-US"/>
+          </a:p>
+        </p:txBody>
+      </p:sp>
+      <p:sp>
+        <p:nvSpPr>
+          <p:cNvPr id="15" name="TextBox 14">
+            <a:extLst>
+              <a:ext uri="{FF2B5EF4-FFF2-40B4-BE49-F238E27FC236}">
+                <a16:creationId xmlns:a16="http://schemas.microsoft.com/office/drawing/2014/main" id="{1E78F7BB-E93B-B568-8D2E-9D558CDA46B1}"/>
+              </a:ext>
+            </a:extLst>
+          </p:cNvPr>
+          <p:cNvSpPr txBox="1"/>
+          <p:nvPr/>
+        </p:nvSpPr>
+        <p:spPr>
+          <a:xfrm>
+            <a:off x="6345982" y="2392677"/>
+            <a:ext cx="1000826" cy="307777"/>
+          </a:xfrm>
+          <a:prstGeom prst="rect">
+            <a:avLst/>
+          </a:prstGeom>
+          <a:noFill/>
+        </p:spPr>
+        <p:txBody>
+          <a:bodyPr wrap="square" rtlCol="0">
+            <a:spAutoFit/>
+          </a:bodyPr>
+          <a:lstStyle/>
+          <a:p>
+            <a:pPr algn="ctr"/>
+            <a:r>
+              <a:rPr lang="en-US" altLang="ko-KR" dirty="0">
+                <a:latin typeface="+mn-ea"/>
+                <a:ea typeface="+mn-ea"/>
+              </a:rPr>
+              <a:t>hello.exe</a:t>
+            </a:r>
+            <a:endParaRPr lang="ko-KR" altLang="en-US" dirty="0"/>
+          </a:p>
+        </p:txBody>
+      </p:sp>
+      <p:sp>
+        <p:nvSpPr>
+          <p:cNvPr id="16" name="TextBox 15">
+            <a:extLst>
+              <a:ext uri="{FF2B5EF4-FFF2-40B4-BE49-F238E27FC236}">
+                <a16:creationId xmlns:a16="http://schemas.microsoft.com/office/drawing/2014/main" id="{9D92BFFB-503F-4B05-C32E-91B0CE48AAB7}"/>
+              </a:ext>
+            </a:extLst>
+          </p:cNvPr>
+          <p:cNvSpPr txBox="1"/>
+          <p:nvPr/>
+        </p:nvSpPr>
+        <p:spPr>
+          <a:xfrm>
+            <a:off x="6110573" y="2783949"/>
+            <a:ext cx="1452642" cy="523220"/>
+          </a:xfrm>
+          <a:prstGeom prst="rect">
+            <a:avLst/>
+          </a:prstGeom>
+          <a:noFill/>
+        </p:spPr>
+        <p:txBody>
+          <a:bodyPr wrap="none" rtlCol="0">
+            <a:spAutoFit/>
+          </a:bodyPr>
+          <a:lstStyle/>
+          <a:p>
+            <a:pPr algn="ctr"/>
+            <a:r>
+              <a:rPr lang="ko-KR" altLang="en-US" b="1" dirty="0">
+                <a:latin typeface="+mn-ea"/>
+                <a:ea typeface="+mn-ea"/>
+              </a:rPr>
+              <a:t>실행 파일</a:t>
+            </a:r>
+            <a:br>
+              <a:rPr lang="en-US" altLang="ko-KR" b="1" dirty="0">
+                <a:latin typeface="+mn-ea"/>
+                <a:ea typeface="+mn-ea"/>
+              </a:rPr>
+            </a:br>
+            <a:r>
+              <a:rPr lang="en-US" altLang="ko-KR" b="1" dirty="0">
+                <a:latin typeface="+mn-ea"/>
+                <a:ea typeface="+mn-ea"/>
+              </a:rPr>
+              <a:t>(</a:t>
+            </a:r>
+            <a:r>
+              <a:rPr lang="ko-KR" altLang="en-US" b="1" dirty="0">
+                <a:latin typeface="+mn-ea"/>
+                <a:ea typeface="+mn-ea"/>
+              </a:rPr>
+              <a:t>바이너리 파일</a:t>
+            </a:r>
+            <a:r>
+              <a:rPr lang="en-US" altLang="ko-KR" b="1" dirty="0">
+                <a:latin typeface="+mn-ea"/>
+                <a:ea typeface="+mn-ea"/>
+              </a:rPr>
+              <a:t>)</a:t>
+            </a:r>
+            <a:endParaRPr lang="ko-KR" altLang="en-US" b="1" dirty="0">
+              <a:latin typeface="+mn-ea"/>
+              <a:ea typeface="+mn-ea"/>
+            </a:endParaRPr>
+          </a:p>
+        </p:txBody>
+      </p:sp>
+      <p:sp>
+        <p:nvSpPr>
+          <p:cNvPr id="18" name="TextBox 17">
+            <a:extLst>
+              <a:ext uri="{FF2B5EF4-FFF2-40B4-BE49-F238E27FC236}">
+                <a16:creationId xmlns:a16="http://schemas.microsoft.com/office/drawing/2014/main" id="{FB701536-BAD7-72B7-05DA-7985BAE1B246}"/>
+              </a:ext>
+            </a:extLst>
+          </p:cNvPr>
+          <p:cNvSpPr txBox="1"/>
+          <p:nvPr/>
+        </p:nvSpPr>
+        <p:spPr>
+          <a:xfrm>
+            <a:off x="3729659" y="2008210"/>
+            <a:ext cx="1435258" cy="307777"/>
+          </a:xfrm>
+          <a:prstGeom prst="rect">
+            <a:avLst/>
+          </a:prstGeom>
+          <a:noFill/>
+        </p:spPr>
+        <p:txBody>
+          <a:bodyPr wrap="square" rtlCol="0">
+            <a:spAutoFit/>
+          </a:bodyPr>
+          <a:lstStyle/>
+          <a:p>
+            <a:pPr algn="ctr"/>
+            <a:r>
+              <a:rPr lang="ko-KR" altLang="en-US" b="1" dirty="0">
+                <a:latin typeface="+mn-ea"/>
+                <a:ea typeface="+mn-ea"/>
+              </a:rPr>
+              <a:t>빌드</a:t>
+            </a:r>
+            <a:r>
+              <a:rPr lang="en-US" altLang="ko-KR" b="1" dirty="0">
+                <a:latin typeface="+mn-ea"/>
+                <a:ea typeface="+mn-ea"/>
+              </a:rPr>
+              <a:t>(Ctrl</a:t>
+            </a:r>
+            <a:r>
+              <a:rPr lang="ko-KR" altLang="en-US" b="1" dirty="0">
+                <a:latin typeface="+mn-ea"/>
+                <a:ea typeface="+mn-ea"/>
+              </a:rPr>
+              <a:t> </a:t>
+            </a:r>
+            <a:r>
+              <a:rPr lang="en-US" altLang="ko-KR" b="1" dirty="0">
+                <a:latin typeface="+mn-ea"/>
+                <a:ea typeface="+mn-ea"/>
+              </a:rPr>
+              <a:t>+</a:t>
+            </a:r>
+            <a:r>
+              <a:rPr lang="ko-KR" altLang="en-US" b="1" dirty="0">
+                <a:latin typeface="+mn-ea"/>
+                <a:ea typeface="+mn-ea"/>
+              </a:rPr>
+              <a:t> </a:t>
+            </a:r>
+            <a:r>
+              <a:rPr lang="en-US" altLang="ko-KR" b="1" dirty="0">
+                <a:latin typeface="+mn-ea"/>
+                <a:ea typeface="+mn-ea"/>
+              </a:rPr>
+              <a:t>F5)</a:t>
+            </a:r>
+            <a:endParaRPr lang="ko-KR" altLang="en-US" b="1" dirty="0"/>
+          </a:p>
+        </p:txBody>
+      </p:sp>
+      <p:pic>
+        <p:nvPicPr>
+          <p:cNvPr id="5" name="그림 4" descr="텍스트, 스크린샷, 소프트웨어, 디스플레이이(가) 표시된 사진&#10;&#10;자동 생성된 설명">
+            <a:extLst>
+              <a:ext uri="{FF2B5EF4-FFF2-40B4-BE49-F238E27FC236}">
+                <a16:creationId xmlns:a16="http://schemas.microsoft.com/office/drawing/2014/main" id="{B613C9C3-80D6-E9D0-51BD-C1F9B7587D9C}"/>
+              </a:ext>
+            </a:extLst>
+          </p:cNvPr>
+          <p:cNvPicPr>
+            <a:picLocks noChangeAspect="1"/>
+          </p:cNvPicPr>
+          <p:nvPr/>
+        </p:nvPicPr>
+        <p:blipFill>
+          <a:blip r:embed="rId3"/>
+          <a:stretch>
+            <a:fillRect/>
+          </a:stretch>
+        </p:blipFill>
+        <p:spPr>
+          <a:xfrm>
+            <a:off x="1392324" y="1027750"/>
+            <a:ext cx="6100455" cy="3963163"/>
+          </a:xfrm>
+          <a:prstGeom prst="rect">
+            <a:avLst/>
+          </a:prstGeom>
+        </p:spPr>
+      </p:pic>
+      <p:sp>
+        <p:nvSpPr>
+          <p:cNvPr id="3" name="Google Shape;877;p44">
+            <a:extLst>
+              <a:ext uri="{FF2B5EF4-FFF2-40B4-BE49-F238E27FC236}">
+                <a16:creationId xmlns:a16="http://schemas.microsoft.com/office/drawing/2014/main" id="{DBFDF9EB-C8CE-0AF9-FF65-BC38125ACDF7}"/>
+              </a:ext>
+            </a:extLst>
+          </p:cNvPr>
+          <p:cNvSpPr txBox="1">
+            <a:spLocks/>
+          </p:cNvSpPr>
+          <p:nvPr/>
+        </p:nvSpPr>
+        <p:spPr>
+          <a:xfrm>
+            <a:off x="3352800" y="4360023"/>
+            <a:ext cx="5867400" cy="1920025"/>
+          </a:xfrm>
+          <a:prstGeom prst="rect">
+            <a:avLst/>
+          </a:prstGeom>
+          <a:noFill/>
+          <a:ln>
+            <a:noFill/>
+          </a:ln>
+        </p:spPr>
+        <p:txBody>
+          <a:bodyPr spcFirstLastPara="1" wrap="square" lIns="91425" tIns="91425" rIns="91425" bIns="91425" anchor="t" anchorCtr="0">
+            <a:noAutofit/>
+          </a:bodyPr>
+          <a:lstStyle>
+            <a:defPPr marR="0" lvl="0" algn="l" rtl="0">
+              <a:lnSpc>
+                <a:spcPct val="100000"/>
+              </a:lnSpc>
+              <a:spcBef>
+                <a:spcPts val="0"/>
+              </a:spcBef>
+              <a:spcAft>
+                <a:spcPts val="0"/>
+              </a:spcAft>
+            </a:defPPr>
+            <a:lvl1pPr marL="457200" marR="0" lvl="0" indent="-342900" algn="l" rtl="0">
+              <a:lnSpc>
+                <a:spcPct val="100000"/>
+              </a:lnSpc>
+              <a:spcBef>
+                <a:spcPts val="0"/>
+              </a:spcBef>
+              <a:spcAft>
+                <a:spcPts val="0"/>
+              </a:spcAft>
+              <a:buClr>
+                <a:schemeClr val="dk2"/>
+              </a:buClr>
+              <a:buSzPts val="2800"/>
+              <a:buFont typeface="Raleway"/>
+              <a:buChar char="●"/>
+              <a:defRPr sz="1200" b="0" i="0" u="none" strike="noStrike" cap="none">
+                <a:solidFill>
+                  <a:schemeClr val="dk1"/>
+                </a:solidFill>
+                <a:latin typeface="맑은 고딕" panose="020B0503020000020004" pitchFamily="50" charset="-127"/>
+                <a:ea typeface="맑은 고딕" panose="020B0503020000020004" pitchFamily="50" charset="-127"/>
+                <a:cs typeface="맑은 고딕" panose="020B0503020000020004" pitchFamily="50" charset="-127"/>
+                <a:sym typeface="Raleway"/>
+              </a:defRPr>
+            </a:lvl1pPr>
+            <a:lvl2pPr marL="914400" marR="0" lvl="1" indent="-317500" algn="l" rtl="0">
+              <a:lnSpc>
+                <a:spcPct val="100000"/>
+              </a:lnSpc>
+              <a:spcBef>
+                <a:spcPts val="0"/>
+              </a:spcBef>
+              <a:spcAft>
+                <a:spcPts val="0"/>
+              </a:spcAft>
+              <a:buClr>
+                <a:schemeClr val="dk2"/>
+              </a:buClr>
+              <a:buSzPts val="2800"/>
+              <a:buFont typeface="Raleway"/>
+              <a:buChar char="○"/>
+              <a:defRPr sz="2800" b="0" i="0" u="none" strike="noStrike" cap="none">
+                <a:solidFill>
+                  <a:schemeClr val="dk2"/>
+                </a:solidFill>
+                <a:latin typeface="Raleway"/>
+                <a:ea typeface="Raleway"/>
+                <a:cs typeface="Raleway"/>
+                <a:sym typeface="Raleway"/>
+              </a:defRPr>
+            </a:lvl2pPr>
+            <a:lvl3pPr marL="1371600" marR="0" lvl="2" indent="-317500" algn="l" rtl="0">
+              <a:lnSpc>
+                <a:spcPct val="100000"/>
+              </a:lnSpc>
+              <a:spcBef>
+                <a:spcPts val="0"/>
+              </a:spcBef>
+              <a:spcAft>
+                <a:spcPts val="0"/>
+              </a:spcAft>
+              <a:buClr>
+                <a:schemeClr val="dk2"/>
+              </a:buClr>
+              <a:buSzPts val="2800"/>
+              <a:buFont typeface="Raleway"/>
+              <a:buChar char="■"/>
+              <a:defRPr sz="2800" b="0" i="0" u="none" strike="noStrike" cap="none">
+                <a:solidFill>
+                  <a:schemeClr val="dk2"/>
+                </a:solidFill>
+                <a:latin typeface="Raleway"/>
+                <a:ea typeface="Raleway"/>
+                <a:cs typeface="Raleway"/>
+                <a:sym typeface="Raleway"/>
+              </a:defRPr>
+            </a:lvl3pPr>
+            <a:lvl4pPr marL="1828800" marR="0" lvl="3" indent="-317500" algn="l" rtl="0">
+              <a:lnSpc>
+                <a:spcPct val="100000"/>
+              </a:lnSpc>
+              <a:spcBef>
+                <a:spcPts val="0"/>
+              </a:spcBef>
+              <a:spcAft>
+                <a:spcPts val="0"/>
+              </a:spcAft>
+              <a:buClr>
+                <a:schemeClr val="dk2"/>
+              </a:buClr>
+              <a:buSzPts val="2800"/>
+              <a:buFont typeface="Raleway"/>
+              <a:buChar char="●"/>
+              <a:defRPr sz="2800" b="0" i="0" u="none" strike="noStrike" cap="none">
+                <a:solidFill>
+                  <a:schemeClr val="dk2"/>
+                </a:solidFill>
+                <a:latin typeface="Raleway"/>
+                <a:ea typeface="Raleway"/>
+                <a:cs typeface="Raleway"/>
+                <a:sym typeface="Raleway"/>
+              </a:defRPr>
+            </a:lvl4pPr>
+            <a:lvl5pPr marL="2286000" marR="0" lvl="4" indent="-317500" algn="l" rtl="0">
+              <a:lnSpc>
+                <a:spcPct val="100000"/>
+              </a:lnSpc>
+              <a:spcBef>
+                <a:spcPts val="0"/>
+              </a:spcBef>
+              <a:spcAft>
+                <a:spcPts val="0"/>
+              </a:spcAft>
+              <a:buClr>
+                <a:schemeClr val="dk2"/>
+              </a:buClr>
+              <a:buSzPts val="2800"/>
+              <a:buFont typeface="Raleway"/>
+              <a:buChar char="○"/>
+              <a:defRPr sz="2800" b="0" i="0" u="none" strike="noStrike" cap="none">
+                <a:solidFill>
+                  <a:schemeClr val="dk2"/>
+                </a:solidFill>
+                <a:latin typeface="Raleway"/>
+                <a:ea typeface="Raleway"/>
+                <a:cs typeface="Raleway"/>
+                <a:sym typeface="Raleway"/>
+              </a:defRPr>
+            </a:lvl5pPr>
+            <a:lvl6pPr marL="2743200" marR="0" lvl="5" indent="-317500" algn="l" rtl="0">
+              <a:lnSpc>
+                <a:spcPct val="100000"/>
+              </a:lnSpc>
+              <a:spcBef>
+                <a:spcPts val="0"/>
+              </a:spcBef>
+              <a:spcAft>
+                <a:spcPts val="0"/>
+              </a:spcAft>
+              <a:buClr>
+                <a:schemeClr val="dk2"/>
+              </a:buClr>
+              <a:buSzPts val="2800"/>
+              <a:buFont typeface="Raleway"/>
+              <a:buChar char="■"/>
+              <a:defRPr sz="2800" b="0" i="0" u="none" strike="noStrike" cap="none">
+                <a:solidFill>
+                  <a:schemeClr val="dk2"/>
+                </a:solidFill>
+                <a:latin typeface="Raleway"/>
+                <a:ea typeface="Raleway"/>
+                <a:cs typeface="Raleway"/>
+                <a:sym typeface="Raleway"/>
+              </a:defRPr>
+            </a:lvl6pPr>
+            <a:lvl7pPr marL="3200400" marR="0" lvl="6" indent="-317500" algn="l" rtl="0">
+              <a:lnSpc>
+                <a:spcPct val="100000"/>
+              </a:lnSpc>
+              <a:spcBef>
+                <a:spcPts val="0"/>
+              </a:spcBef>
+              <a:spcAft>
+                <a:spcPts val="0"/>
+              </a:spcAft>
+              <a:buClr>
+                <a:schemeClr val="dk2"/>
+              </a:buClr>
+              <a:buSzPts val="2800"/>
+              <a:buFont typeface="Raleway"/>
+              <a:buChar char="●"/>
+              <a:defRPr sz="2800" b="0" i="0" u="none" strike="noStrike" cap="none">
+                <a:solidFill>
+                  <a:schemeClr val="dk2"/>
+                </a:solidFill>
+                <a:latin typeface="Raleway"/>
+                <a:ea typeface="Raleway"/>
+                <a:cs typeface="Raleway"/>
+                <a:sym typeface="Raleway"/>
+              </a:defRPr>
+            </a:lvl7pPr>
+            <a:lvl8pPr marL="3657600" marR="0" lvl="7" indent="-317500" algn="l" rtl="0">
+              <a:lnSpc>
+                <a:spcPct val="100000"/>
+              </a:lnSpc>
+              <a:spcBef>
+                <a:spcPts val="0"/>
+              </a:spcBef>
+              <a:spcAft>
+                <a:spcPts val="0"/>
+              </a:spcAft>
+              <a:buClr>
+                <a:schemeClr val="dk2"/>
+              </a:buClr>
+              <a:buSzPts val="2800"/>
+              <a:buFont typeface="Raleway"/>
+              <a:buChar char="○"/>
+              <a:defRPr sz="2800" b="0" i="0" u="none" strike="noStrike" cap="none">
+                <a:solidFill>
+                  <a:schemeClr val="dk2"/>
+                </a:solidFill>
+                <a:latin typeface="Raleway"/>
+                <a:ea typeface="Raleway"/>
+                <a:cs typeface="Raleway"/>
+                <a:sym typeface="Raleway"/>
+              </a:defRPr>
+            </a:lvl8pPr>
+            <a:lvl9pPr marL="4114800" marR="0" lvl="8" indent="-317500" algn="l" rtl="0">
+              <a:lnSpc>
+                <a:spcPct val="100000"/>
+              </a:lnSpc>
+              <a:spcBef>
+                <a:spcPts val="0"/>
+              </a:spcBef>
+              <a:spcAft>
+                <a:spcPts val="0"/>
+              </a:spcAft>
+              <a:buClr>
+                <a:schemeClr val="dk2"/>
+              </a:buClr>
+              <a:buSzPts val="2800"/>
+              <a:buFont typeface="Raleway"/>
+              <a:buChar char="■"/>
+              <a:defRPr sz="2800" b="0" i="0" u="none" strike="noStrike" cap="none">
+                <a:solidFill>
+                  <a:schemeClr val="dk2"/>
+                </a:solidFill>
+                <a:latin typeface="Raleway"/>
+                <a:ea typeface="Raleway"/>
+                <a:cs typeface="Raleway"/>
+                <a:sym typeface="Raleway"/>
+              </a:defRPr>
+            </a:lvl9pPr>
+          </a:lstStyle>
+          <a:p>
+            <a:pPr marL="457200" lvl="1" indent="0">
+              <a:lnSpc>
+                <a:spcPts val="3360"/>
+              </a:lnSpc>
+              <a:buClr>
+                <a:schemeClr val="dk1"/>
+              </a:buClr>
+              <a:buSzPts val="1100"/>
+              <a:buNone/>
+            </a:pPr>
+            <a:r>
+              <a:rPr lang="ko-KR" altLang="en-US" b="1" dirty="0">
+                <a:solidFill>
+                  <a:srgbClr val="000000"/>
+                </a:solidFill>
+                <a:latin typeface="맑은 고딕" panose="020B0503020000020004" pitchFamily="50" charset="-127"/>
+                <a:ea typeface="맑은 고딕" panose="020B0503020000020004" pitchFamily="50" charset="-127"/>
+              </a:rPr>
+              <a:t>직접 </a:t>
+            </a:r>
+            <a:r>
+              <a:rPr lang="ko-KR" altLang="en-US" b="1" dirty="0" err="1">
+                <a:solidFill>
+                  <a:srgbClr val="000000"/>
+                </a:solidFill>
+                <a:latin typeface="맑은 고딕" panose="020B0503020000020004" pitchFamily="50" charset="-127"/>
+                <a:ea typeface="맑은 고딕" panose="020B0503020000020004" pitchFamily="50" charset="-127"/>
+              </a:rPr>
+              <a:t>확인해봄</a:t>
+            </a:r>
+            <a:endParaRPr lang="en-US" altLang="ko-KR" b="1" dirty="0">
+              <a:solidFill>
+                <a:srgbClr val="000000"/>
+              </a:solidFill>
+              <a:latin typeface="맑은 고딕" panose="020B0503020000020004" pitchFamily="50" charset="-127"/>
+              <a:ea typeface="맑은 고딕" panose="020B0503020000020004" pitchFamily="50" charset="-127"/>
+            </a:endParaRPr>
+          </a:p>
+        </p:txBody>
+      </p:sp>
+      <p:sp>
+        <p:nvSpPr>
+          <p:cNvPr id="6" name="화살표: 오른쪽 5">
+            <a:extLst>
+              <a:ext uri="{FF2B5EF4-FFF2-40B4-BE49-F238E27FC236}">
+                <a16:creationId xmlns:a16="http://schemas.microsoft.com/office/drawing/2014/main" id="{48534FBC-280E-5DF8-3862-EBEF684EA5B8}"/>
+              </a:ext>
+            </a:extLst>
+          </p:cNvPr>
+          <p:cNvSpPr/>
+          <p:nvPr/>
+        </p:nvSpPr>
+        <p:spPr>
+          <a:xfrm>
+            <a:off x="3352800" y="4482304"/>
+            <a:ext cx="424915" cy="291918"/>
+          </a:xfrm>
+          <a:prstGeom prst="rightArrow">
+            <a:avLst/>
+          </a:prstGeom>
+          <a:solidFill>
+            <a:srgbClr val="305DBF"/>
+          </a:solidFill>
+          <a:ln>
+            <a:noFill/>
+          </a:ln>
+        </p:spPr>
+        <p:style>
+          <a:lnRef idx="2">
+            <a:schemeClr val="accent1">
+              <a:shade val="50000"/>
+            </a:schemeClr>
+          </a:lnRef>
+          <a:fillRef idx="1">
+            <a:schemeClr val="accent1"/>
+          </a:fillRef>
+          <a:effectRef idx="0">
+            <a:schemeClr val="accent1"/>
+          </a:effectRef>
+          <a:fontRef idx="minor">
+            <a:schemeClr val="lt1"/>
+          </a:fontRef>
+        </p:style>
+        <p:txBody>
+          <a:bodyPr rtlCol="0" anchor="ctr"/>
+          <a:lstStyle/>
+          <a:p>
+            <a:pPr algn="ctr"/>
+            <a:endParaRPr lang="ko-KR" altLang="en-US" dirty="0">
+              <a:solidFill>
+                <a:srgbClr val="FFFFFF"/>
+              </a:solidFill>
+              <a:latin typeface="맑은 고딕" panose="020B0503020000020004" pitchFamily="50" charset="-127"/>
+            </a:endParaRPr>
+          </a:p>
+        </p:txBody>
+      </p:sp>
+    </p:spTree>
+    <p:extLst>
+      <p:ext uri="{BB962C8B-B14F-4D97-AF65-F5344CB8AC3E}">
+        <p14:creationId xmlns:p14="http://schemas.microsoft.com/office/powerpoint/2010/main" val="2784826652"/>
+      </p:ext>
+    </p:extLst>
+  </p:cSld>
+  <p:clrMapOvr>
+    <a:masterClrMapping/>
+  </p:clrMapOvr>
+</p:sld>
+</file>
+
+<file path=ppt/slides/slide17.xml><?xml version="1.0" encoding="utf-8"?>
 <p:sld xmlns:a="http://schemas.openxmlformats.org/drawingml/2006/main" xmlns:r="http://schemas.openxmlformats.org/officeDocument/2006/relationships" xmlns:p="http://schemas.openxmlformats.org/presentationml/2006/main">
   <p:cSld>
     <p:spTree>
